--- a/docs/Presentations/SRS/SRS.pptx
+++ b/docs/Presentations/SRS/SRS.pptx
@@ -139,6 +139,7 @@
 <p1510:revInfo xmlns:a="http://schemas.openxmlformats.org/drawingml/2006/main" xmlns:r="http://schemas.openxmlformats.org/officeDocument/2006/relationships" xmlns:p1510="http://schemas.microsoft.com/office/powerpoint/2015/10/main">
   <p1510:revLst>
     <p1510:client id="{054CD8E0-C38D-989A-26DF-685B1C5E3C11}" v="595" dt="2024-02-06T12:24:40.985"/>
+    <p1510:client id="{C3ADF0CB-3F6D-A765-F566-CA43DB823607}" v="122" dt="2024-02-06T13:34:30.231"/>
     <p1510:client id="{F0C6208B-03DD-5B1D-98BD-EB313CF13F02}" v="281" dt="2024-02-06T09:08:33.231"/>
   </p1510:revLst>
 </p1510:revInfo>
@@ -13837,13 +13838,30 @@
             </a:endParaRPr>
           </a:p>
           <a:p>
+            <a:pPr marL="356870" indent="-356870">
+              <a:lnSpc>
+                <a:spcPct val="100000"/>
+              </a:lnSpc>
+            </a:pPr>
+            <a:r>
+              <a:rPr lang="en-US" sz="1800" dirty="0">
+                <a:ea typeface="+mn-lt"/>
+                <a:cs typeface="+mn-lt"/>
+              </a:rPr>
+              <a:t>If the electric current be equal but in the opposite direction, it is known as Maxwell coil, which creates a region of magnetic field gradient</a:t>
+            </a:r>
+            <a:endParaRPr lang="en-US" sz="1800" dirty="0"/>
+          </a:p>
+          <a:p>
             <a:pPr marL="0" indent="0">
               <a:lnSpc>
                 <a:spcPct val="100000"/>
               </a:lnSpc>
               <a:buNone/>
             </a:pPr>
-            <a:endParaRPr lang="en-US" sz="1800" dirty="0"/>
+            <a:endParaRPr lang="en-US" sz="1800" b="0" i="0" kern="1200" dirty="0">
+              <a:latin typeface="+mn-lt"/>
+            </a:endParaRPr>
           </a:p>
           <a:p>
             <a:pPr marL="356870" indent="-356870">
@@ -13851,9 +13869,7 @@
                 <a:spcPct val="100000"/>
               </a:lnSpc>
             </a:pPr>
-            <a:endParaRPr lang="en-US" sz="1800" b="0" i="0" kern="1200" dirty="0">
-              <a:latin typeface="+mn-lt"/>
-            </a:endParaRPr>
+            <a:endParaRPr lang="en-US" sz="1800" dirty="0"/>
           </a:p>
         </p:txBody>
       </p:sp>
@@ -14076,7 +14092,7 @@
         </p:nvSpPr>
         <p:spPr>
           <a:xfrm>
-            <a:off x="902595" y="3688990"/>
+            <a:off x="1673888" y="4395234"/>
             <a:ext cx="10801350" cy="2270109"/>
           </a:xfrm>
           <a:prstGeom prst="rect">
@@ -15010,6 +15026,169 @@
           </a:p>
         </p:txBody>
       </p:sp>
+      <p:sp>
+        <p:nvSpPr>
+          <p:cNvPr id="10" name="TextBox 14">
+            <a:extLst>
+              <a:ext uri="{FF2B5EF4-FFF2-40B4-BE49-F238E27FC236}">
+                <a16:creationId xmlns:a16="http://schemas.microsoft.com/office/drawing/2014/main" id="{422F562F-A29F-481D-CF40-FC36AF7199CF}"/>
+              </a:ext>
+            </a:extLst>
+          </p:cNvPr>
+          <p:cNvSpPr txBox="1"/>
+          <p:nvPr/>
+        </p:nvSpPr>
+        <p:spPr>
+          <a:xfrm>
+            <a:off x="925551" y="3827350"/>
+            <a:ext cx="3198547" cy="369332"/>
+          </a:xfrm>
+          <a:prstGeom prst="rect">
+            <a:avLst/>
+          </a:prstGeom>
+          <a:noFill/>
+        </p:spPr>
+        <p:txBody>
+          <a:bodyPr wrap="square" lIns="91440" tIns="45720" rIns="91440" bIns="45720" rtlCol="0" anchor="t">
+            <a:spAutoFit/>
+          </a:bodyPr>
+          <a:lstStyle>
+            <a:defPPr>
+              <a:defRPr lang="en-US"/>
+            </a:defPPr>
+            <a:lvl1pPr marL="0" algn="l" defTabSz="914400" rtl="0" eaLnBrk="1" latinLnBrk="0" hangingPunct="1">
+              <a:defRPr sz="1800" kern="1200">
+                <a:solidFill>
+                  <a:schemeClr val="tx1"/>
+                </a:solidFill>
+                <a:latin typeface="+mn-lt"/>
+                <a:ea typeface="+mn-ea"/>
+                <a:cs typeface="+mn-cs"/>
+              </a:defRPr>
+            </a:lvl1pPr>
+            <a:lvl2pPr marL="457200" algn="l" defTabSz="914400" rtl="0" eaLnBrk="1" latinLnBrk="0" hangingPunct="1">
+              <a:defRPr sz="1800" kern="1200">
+                <a:solidFill>
+                  <a:schemeClr val="tx1"/>
+                </a:solidFill>
+                <a:latin typeface="+mn-lt"/>
+                <a:ea typeface="+mn-ea"/>
+                <a:cs typeface="+mn-cs"/>
+              </a:defRPr>
+            </a:lvl2pPr>
+            <a:lvl3pPr marL="914400" algn="l" defTabSz="914400" rtl="0" eaLnBrk="1" latinLnBrk="0" hangingPunct="1">
+              <a:defRPr sz="1800" kern="1200">
+                <a:solidFill>
+                  <a:schemeClr val="tx1"/>
+                </a:solidFill>
+                <a:latin typeface="+mn-lt"/>
+                <a:ea typeface="+mn-ea"/>
+                <a:cs typeface="+mn-cs"/>
+              </a:defRPr>
+            </a:lvl3pPr>
+            <a:lvl4pPr marL="1371600" algn="l" defTabSz="914400" rtl="0" eaLnBrk="1" latinLnBrk="0" hangingPunct="1">
+              <a:defRPr sz="1800" kern="1200">
+                <a:solidFill>
+                  <a:schemeClr val="tx1"/>
+                </a:solidFill>
+                <a:latin typeface="+mn-lt"/>
+                <a:ea typeface="+mn-ea"/>
+                <a:cs typeface="+mn-cs"/>
+              </a:defRPr>
+            </a:lvl4pPr>
+            <a:lvl5pPr marL="1828800" algn="l" defTabSz="914400" rtl="0" eaLnBrk="1" latinLnBrk="0" hangingPunct="1">
+              <a:defRPr sz="1800" kern="1200">
+                <a:solidFill>
+                  <a:schemeClr val="tx1"/>
+                </a:solidFill>
+                <a:latin typeface="+mn-lt"/>
+                <a:ea typeface="+mn-ea"/>
+                <a:cs typeface="+mn-cs"/>
+              </a:defRPr>
+            </a:lvl5pPr>
+            <a:lvl6pPr marL="2286000" algn="l" defTabSz="914400" rtl="0" eaLnBrk="1" latinLnBrk="0" hangingPunct="1">
+              <a:defRPr sz="1800" kern="1200">
+                <a:solidFill>
+                  <a:schemeClr val="tx1"/>
+                </a:solidFill>
+                <a:latin typeface="+mn-lt"/>
+                <a:ea typeface="+mn-ea"/>
+                <a:cs typeface="+mn-cs"/>
+              </a:defRPr>
+            </a:lvl6pPr>
+            <a:lvl7pPr marL="2743200" algn="l" defTabSz="914400" rtl="0" eaLnBrk="1" latinLnBrk="0" hangingPunct="1">
+              <a:defRPr sz="1800" kern="1200">
+                <a:solidFill>
+                  <a:schemeClr val="tx1"/>
+                </a:solidFill>
+                <a:latin typeface="+mn-lt"/>
+                <a:ea typeface="+mn-ea"/>
+                <a:cs typeface="+mn-cs"/>
+              </a:defRPr>
+            </a:lvl7pPr>
+            <a:lvl8pPr marL="3200400" algn="l" defTabSz="914400" rtl="0" eaLnBrk="1" latinLnBrk="0" hangingPunct="1">
+              <a:defRPr sz="1800" kern="1200">
+                <a:solidFill>
+                  <a:schemeClr val="tx1"/>
+                </a:solidFill>
+                <a:latin typeface="+mn-lt"/>
+                <a:ea typeface="+mn-ea"/>
+                <a:cs typeface="+mn-cs"/>
+              </a:defRPr>
+            </a:lvl8pPr>
+            <a:lvl9pPr marL="3657600" algn="l" defTabSz="914400" rtl="0" eaLnBrk="1" latinLnBrk="0" hangingPunct="1">
+              <a:defRPr sz="1800" kern="1200">
+                <a:solidFill>
+                  <a:schemeClr val="tx1"/>
+                </a:solidFill>
+                <a:latin typeface="+mn-lt"/>
+                <a:ea typeface="+mn-ea"/>
+                <a:cs typeface="+mn-cs"/>
+              </a:defRPr>
+            </a:lvl9pPr>
+          </a:lstStyle>
+          <a:p>
+            <a:r>
+              <a:rPr lang="en-US" dirty="0">
+                <a:solidFill>
+                  <a:schemeClr val="bg1"/>
+                </a:solidFill>
+              </a:rPr>
+              <a:t>Total H of in Maxwel coils:</a:t>
+            </a:r>
+          </a:p>
+        </p:txBody>
+      </p:sp>
+      <p:pic>
+        <p:nvPicPr>
+          <p:cNvPr id="12" name="Picture 11">
+            <a:extLst>
+              <a:ext uri="{FF2B5EF4-FFF2-40B4-BE49-F238E27FC236}">
+                <a16:creationId xmlns:a16="http://schemas.microsoft.com/office/drawing/2014/main" id="{18A6E84D-7E13-01AE-026B-DDA14F659ADA}"/>
+              </a:ext>
+            </a:extLst>
+          </p:cNvPr>
+          <p:cNvPicPr>
+            <a:picLocks noChangeAspect="1"/>
+          </p:cNvPicPr>
+          <p:nvPr/>
+        </p:nvPicPr>
+        <p:blipFill>
+          <a:blip r:embed="rId5"/>
+          <a:stretch>
+            <a:fillRect/>
+          </a:stretch>
+        </p:blipFill>
+        <p:spPr>
+          <a:xfrm>
+            <a:off x="3462802" y="3620429"/>
+            <a:ext cx="4690250" cy="834483"/>
+          </a:xfrm>
+          <a:prstGeom prst="rect">
+            <a:avLst/>
+          </a:prstGeom>
+        </p:spPr>
+      </p:pic>
     </p:spTree>
     <p:extLst>
       <p:ext uri="{BB962C8B-B14F-4D97-AF65-F5344CB8AC3E}">
@@ -15384,7 +15563,7 @@
         </p:blipFill>
         <p:spPr>
           <a:xfrm>
-            <a:off x="6797539" y="3526662"/>
+            <a:off x="5998368" y="2188516"/>
             <a:ext cx="2327868" cy="1943304"/>
           </a:xfrm>
           <a:prstGeom prst="rect">
@@ -15413,8 +15592,8 @@
         </p:blipFill>
         <p:spPr>
           <a:xfrm>
-            <a:off x="919566" y="2826108"/>
-            <a:ext cx="5559684" cy="3157664"/>
+            <a:off x="854518" y="2500864"/>
+            <a:ext cx="4295880" cy="2442128"/>
           </a:xfrm>
           <a:prstGeom prst="rect">
             <a:avLst/>
@@ -15443,8 +15622,8 @@
         </p:blipFill>
         <p:spPr>
           <a:xfrm>
-            <a:off x="919566" y="2232271"/>
-            <a:ext cx="3248025" cy="676275"/>
+            <a:off x="900980" y="2102174"/>
+            <a:ext cx="2197952" cy="453251"/>
           </a:xfrm>
           <a:prstGeom prst="rect">
             <a:avLst/>
@@ -15472,8 +15651,185 @@
         </p:blipFill>
         <p:spPr>
           <a:xfrm>
-            <a:off x="9134476" y="2863191"/>
+            <a:off x="8168037" y="2026850"/>
             <a:ext cx="2612898" cy="3064110"/>
+          </a:xfrm>
+          <a:prstGeom prst="rect">
+            <a:avLst/>
+          </a:prstGeom>
+        </p:spPr>
+      </p:pic>
+      <p:sp>
+        <p:nvSpPr>
+          <p:cNvPr id="3" name="TextBox 3">
+            <a:extLst>
+              <a:ext uri="{FF2B5EF4-FFF2-40B4-BE49-F238E27FC236}">
+                <a16:creationId xmlns:a16="http://schemas.microsoft.com/office/drawing/2014/main" id="{529F081C-77AA-D400-B79A-FAD79AEF6104}"/>
+              </a:ext>
+            </a:extLst>
+          </p:cNvPr>
+          <p:cNvSpPr txBox="1"/>
+          <p:nvPr/>
+        </p:nvSpPr>
+        <p:spPr>
+          <a:xfrm>
+            <a:off x="901389" y="4832196"/>
+            <a:ext cx="7220413" cy="523220"/>
+          </a:xfrm>
+          <a:prstGeom prst="rect">
+            <a:avLst/>
+          </a:prstGeom>
+          <a:noFill/>
+        </p:spPr>
+        <p:txBody>
+          <a:bodyPr rot="0" spcFirstLastPara="0" vert="horz" wrap="square" lIns="91440" tIns="45720" rIns="91440" bIns="45720" numCol="1" spcCol="0" rtlCol="0" fromWordArt="0" anchor="t" anchorCtr="0" forceAA="0" compatLnSpc="1">
+            <a:prstTxWarp prst="textNoShape">
+              <a:avLst/>
+            </a:prstTxWarp>
+            <a:spAutoFit/>
+          </a:bodyPr>
+          <a:lstStyle>
+            <a:defPPr>
+              <a:defRPr lang="en-US"/>
+            </a:defPPr>
+            <a:lvl1pPr marL="0" algn="l" defTabSz="914400" rtl="0" eaLnBrk="1" latinLnBrk="0" hangingPunct="1">
+              <a:defRPr sz="1800" kern="1200">
+                <a:solidFill>
+                  <a:schemeClr val="tx1"/>
+                </a:solidFill>
+                <a:latin typeface="+mn-lt"/>
+                <a:ea typeface="+mn-ea"/>
+                <a:cs typeface="+mn-cs"/>
+              </a:defRPr>
+            </a:lvl1pPr>
+            <a:lvl2pPr marL="457200" algn="l" defTabSz="914400" rtl="0" eaLnBrk="1" latinLnBrk="0" hangingPunct="1">
+              <a:defRPr sz="1800" kern="1200">
+                <a:solidFill>
+                  <a:schemeClr val="tx1"/>
+                </a:solidFill>
+                <a:latin typeface="+mn-lt"/>
+                <a:ea typeface="+mn-ea"/>
+                <a:cs typeface="+mn-cs"/>
+              </a:defRPr>
+            </a:lvl2pPr>
+            <a:lvl3pPr marL="914400" algn="l" defTabSz="914400" rtl="0" eaLnBrk="1" latinLnBrk="0" hangingPunct="1">
+              <a:defRPr sz="1800" kern="1200">
+                <a:solidFill>
+                  <a:schemeClr val="tx1"/>
+                </a:solidFill>
+                <a:latin typeface="+mn-lt"/>
+                <a:ea typeface="+mn-ea"/>
+                <a:cs typeface="+mn-cs"/>
+              </a:defRPr>
+            </a:lvl3pPr>
+            <a:lvl4pPr marL="1371600" algn="l" defTabSz="914400" rtl="0" eaLnBrk="1" latinLnBrk="0" hangingPunct="1">
+              <a:defRPr sz="1800" kern="1200">
+                <a:solidFill>
+                  <a:schemeClr val="tx1"/>
+                </a:solidFill>
+                <a:latin typeface="+mn-lt"/>
+                <a:ea typeface="+mn-ea"/>
+                <a:cs typeface="+mn-cs"/>
+              </a:defRPr>
+            </a:lvl4pPr>
+            <a:lvl5pPr marL="1828800" algn="l" defTabSz="914400" rtl="0" eaLnBrk="1" latinLnBrk="0" hangingPunct="1">
+              <a:defRPr sz="1800" kern="1200">
+                <a:solidFill>
+                  <a:schemeClr val="tx1"/>
+                </a:solidFill>
+                <a:latin typeface="+mn-lt"/>
+                <a:ea typeface="+mn-ea"/>
+                <a:cs typeface="+mn-cs"/>
+              </a:defRPr>
+            </a:lvl5pPr>
+            <a:lvl6pPr marL="2286000" algn="l" defTabSz="914400" rtl="0" eaLnBrk="1" latinLnBrk="0" hangingPunct="1">
+              <a:defRPr sz="1800" kern="1200">
+                <a:solidFill>
+                  <a:schemeClr val="tx1"/>
+                </a:solidFill>
+                <a:latin typeface="+mn-lt"/>
+                <a:ea typeface="+mn-ea"/>
+                <a:cs typeface="+mn-cs"/>
+              </a:defRPr>
+            </a:lvl6pPr>
+            <a:lvl7pPr marL="2743200" algn="l" defTabSz="914400" rtl="0" eaLnBrk="1" latinLnBrk="0" hangingPunct="1">
+              <a:defRPr sz="1800" kern="1200">
+                <a:solidFill>
+                  <a:schemeClr val="tx1"/>
+                </a:solidFill>
+                <a:latin typeface="+mn-lt"/>
+                <a:ea typeface="+mn-ea"/>
+                <a:cs typeface="+mn-cs"/>
+              </a:defRPr>
+            </a:lvl7pPr>
+            <a:lvl8pPr marL="3200400" algn="l" defTabSz="914400" rtl="0" eaLnBrk="1" latinLnBrk="0" hangingPunct="1">
+              <a:defRPr sz="1800" kern="1200">
+                <a:solidFill>
+                  <a:schemeClr val="tx1"/>
+                </a:solidFill>
+                <a:latin typeface="+mn-lt"/>
+                <a:ea typeface="+mn-ea"/>
+                <a:cs typeface="+mn-cs"/>
+              </a:defRPr>
+            </a:lvl8pPr>
+            <a:lvl9pPr marL="3657600" algn="l" defTabSz="914400" rtl="0" eaLnBrk="1" latinLnBrk="0" hangingPunct="1">
+              <a:defRPr sz="1800" kern="1200">
+                <a:solidFill>
+                  <a:schemeClr val="tx1"/>
+                </a:solidFill>
+                <a:latin typeface="+mn-lt"/>
+                <a:ea typeface="+mn-ea"/>
+                <a:cs typeface="+mn-cs"/>
+              </a:defRPr>
+            </a:lvl9pPr>
+          </a:lstStyle>
+          <a:p>
+            <a:pPr marL="285750" indent="-285750">
+              <a:buFont typeface="Arial"/>
+              <a:buChar char="•"/>
+            </a:pPr>
+            <a:r>
+              <a:rPr lang="en-US" sz="1400" dirty="0">
+                <a:solidFill>
+                  <a:schemeClr val="bg1"/>
+                </a:solidFill>
+                <a:ea typeface="+mn-lt"/>
+                <a:cs typeface="+mn-lt"/>
+              </a:rPr>
+              <a:t>The gradient of the magnetic field for Maxwel coil can be found by taking the spatial derivatives of these field components:</a:t>
+            </a:r>
+            <a:endParaRPr lang="en-US" sz="1600">
+              <a:solidFill>
+                <a:schemeClr val="bg1"/>
+              </a:solidFill>
+            </a:endParaRPr>
+          </a:p>
+        </p:txBody>
+      </p:sp>
+      <p:pic>
+        <p:nvPicPr>
+          <p:cNvPr id="4" name="Picture 3" descr="A mathematical equation with black text&#10;&#10;Description automatically generated">
+            <a:extLst>
+              <a:ext uri="{FF2B5EF4-FFF2-40B4-BE49-F238E27FC236}">
+                <a16:creationId xmlns:a16="http://schemas.microsoft.com/office/drawing/2014/main" id="{F856D8C0-43A4-181E-B373-C9F5F3CB63A2}"/>
+              </a:ext>
+            </a:extLst>
+          </p:cNvPr>
+          <p:cNvPicPr>
+            <a:picLocks noChangeAspect="1"/>
+          </p:cNvPicPr>
+          <p:nvPr/>
+        </p:nvPicPr>
+        <p:blipFill>
+          <a:blip r:embed="rId6"/>
+          <a:stretch>
+            <a:fillRect/>
+          </a:stretch>
+        </p:blipFill>
+        <p:spPr>
+          <a:xfrm>
+            <a:off x="898021" y="5432504"/>
+            <a:ext cx="4866810" cy="871653"/>
           </a:xfrm>
           <a:prstGeom prst="rect">
             <a:avLst/>
@@ -15570,7 +15926,7 @@
         </p:blipFill>
         <p:spPr>
           <a:xfrm>
-            <a:off x="934926" y="2568866"/>
+            <a:off x="962804" y="2336549"/>
             <a:ext cx="4591050" cy="2600325"/>
           </a:xfrm>
           <a:prstGeom prst="rect">
@@ -15955,10 +16311,13 @@
             <a:pPr marL="285750" indent="342900">
               <a:buChar char="•"/>
             </a:pPr>
-            <a:endParaRPr lang="en-US" dirty="0">
-              <a:ea typeface="+mn-lt"/>
-              <a:cs typeface="+mn-lt"/>
-            </a:endParaRPr>
+            <a:r>
+              <a:rPr lang="en-US" dirty="0">
+                <a:ea typeface="+mn-lt"/>
+                <a:cs typeface="+mn-lt"/>
+              </a:rPr>
+              <a:t>• The type of magnetic field( magnetic field with a gradient or uniform magnetic field)</a:t>
+            </a:r>
           </a:p>
           <a:p>
             <a:r>
@@ -16247,7 +16606,22 @@
               </a:rPr>
               <a:t>GS3: Calculate the current required for the z-axis coil to achieve the target magnetic field strength along the z-axis.</a:t>
             </a:r>
-            <a:endParaRPr lang="en-US" dirty="0" err="1"/>
+          </a:p>
+          <a:p>
+            <a:pPr marL="285750" indent="-285750">
+              <a:lnSpc>
+                <a:spcPct val="150000"/>
+              </a:lnSpc>
+              <a:buChar char="•"/>
+            </a:pPr>
+            <a:r>
+              <a:rPr lang="en-US" dirty="0">
+                <a:ea typeface="+mn-lt"/>
+                <a:cs typeface="+mn-lt"/>
+              </a:rPr>
+              <a:t>GS4: Offer the functionality to switch between a Maxwell Coil and Helmholtz Coil configurations</a:t>
+            </a:r>
+            <a:endParaRPr lang="en-US" dirty="0"/>
           </a:p>
         </p:txBody>
       </p:sp>
@@ -17900,21 +18274,21 @@
 </file>
 
 <file path=customXml/item1.xml><?xml version="1.0" encoding="utf-8"?>
+<?mso-contentType ?>
+<FormTemplates xmlns="http://schemas.microsoft.com/sharepoint/v3/contenttype/forms">
+  <Display>DocumentLibraryForm</Display>
+  <Edit>DocumentLibraryForm</Edit>
+  <New>DocumentLibraryForm</New>
+</FormTemplates>
+</file>
+
+<file path=customXml/item2.xml><?xml version="1.0" encoding="utf-8"?>
 <p:properties xmlns:p="http://schemas.microsoft.com/office/2006/metadata/properties" xmlns:xsi="http://www.w3.org/2001/XMLSchema-instance" xmlns:pc="http://schemas.microsoft.com/office/infopath/2007/PartnerControls">
   <documentManagement>
     <Status xmlns="71af3243-3dd4-4a8d-8c0d-dd76da1f02a5">Not started</Status>
     <MediaServiceKeyPoints xmlns="71af3243-3dd4-4a8d-8c0d-dd76da1f02a5" xsi:nil="true"/>
   </documentManagement>
 </p:properties>
-</file>
-
-<file path=customXml/item2.xml><?xml version="1.0" encoding="utf-8"?>
-<?mso-contentType ?>
-<FormTemplates xmlns="http://schemas.microsoft.com/sharepoint/v3/contenttype/forms">
-  <Display>DocumentLibraryForm</Display>
-  <Edit>DocumentLibraryForm</Edit>
-  <New>DocumentLibraryForm</New>
-</FormTemplates>
 </file>
 
 <file path=customXml/item3.xml><?xml version="1.0" encoding="utf-8"?>
@@ -18139,19 +18513,19 @@
 </file>
 
 <file path=customXml/itemProps1.xml><?xml version="1.0" encoding="utf-8"?>
+<ds:datastoreItem xmlns:ds="http://schemas.openxmlformats.org/officeDocument/2006/customXml" ds:itemID="{1D20B6E4-879E-4E6C-BDE7-261540CD3765}">
+  <ds:schemaRefs>
+    <ds:schemaRef ds:uri="http://schemas.microsoft.com/sharepoint/v3/contenttype/forms"/>
+  </ds:schemaRefs>
+</ds:datastoreItem>
+</file>
+
+<file path=customXml/itemProps2.xml><?xml version="1.0" encoding="utf-8"?>
 <ds:datastoreItem xmlns:ds="http://schemas.openxmlformats.org/officeDocument/2006/customXml" ds:itemID="{09EC1AB0-9704-404D-B6D3-819D938AC55B}">
   <ds:schemaRefs>
     <ds:schemaRef ds:uri="http://schemas.microsoft.com/office/2006/metadata/properties"/>
     <ds:schemaRef ds:uri="http://schemas.microsoft.com/office/infopath/2007/PartnerControls"/>
     <ds:schemaRef ds:uri="71af3243-3dd4-4a8d-8c0d-dd76da1f02a5"/>
-  </ds:schemaRefs>
-</ds:datastoreItem>
-</file>
-
-<file path=customXml/itemProps2.xml><?xml version="1.0" encoding="utf-8"?>
-<ds:datastoreItem xmlns:ds="http://schemas.openxmlformats.org/officeDocument/2006/customXml" ds:itemID="{1D20B6E4-879E-4E6C-BDE7-261540CD3765}">
-  <ds:schemaRefs>
-    <ds:schemaRef ds:uri="http://schemas.microsoft.com/sharepoint/v3/contenttype/forms"/>
   </ds:schemaRefs>
 </ds:datastoreItem>
 </file>
